--- a/Project Presentation.pptx
+++ b/Project Presentation.pptx
@@ -15141,8 +15141,8 @@
       </dsp:nvSpPr>
       <dsp:spPr>
         <a:xfrm>
-          <a:off x="0" y="141301"/>
-          <a:ext cx="9144000" cy="631800"/>
+          <a:off x="0" y="163559"/>
+          <a:ext cx="9144000" cy="623610"/>
         </a:xfrm>
         <a:prstGeom prst="roundRect">
           <a:avLst/>
@@ -15184,12 +15184,12 @@
         </a:fontRef>
       </dsp:style>
       <dsp:txBody>
-        <a:bodyPr spcFirstLastPara="0" vert="horz" wrap="square" lIns="102870" tIns="102870" rIns="102870" bIns="102870" numCol="1" spcCol="1270" anchor="ctr" anchorCtr="0">
+        <a:bodyPr spcFirstLastPara="0" vert="horz" wrap="square" lIns="99060" tIns="99060" rIns="99060" bIns="99060" numCol="1" spcCol="1270" anchor="ctr" anchorCtr="0">
           <a:noAutofit/>
         </a:bodyPr>
         <a:lstStyle/>
         <a:p>
-          <a:pPr marL="0" lvl="0" indent="0" algn="l" defTabSz="1200150">
+          <a:pPr marL="0" lvl="0" indent="0" algn="l" defTabSz="1155700">
             <a:lnSpc>
               <a:spcPct val="90000"/>
             </a:lnSpc>
@@ -15202,14 +15202,14 @@
             <a:buNone/>
           </a:pPr>
           <a:r>
-            <a:rPr lang="en-US" sz="2700" kern="1200"/>
+            <a:rPr lang="en-US" sz="2600" kern="1200"/>
             <a:t>Hundreds of branches in repos</a:t>
           </a:r>
         </a:p>
       </dsp:txBody>
       <dsp:txXfrm>
-        <a:off x="30842" y="172143"/>
-        <a:ext cx="9082316" cy="570116"/>
+        <a:off x="30442" y="194001"/>
+        <a:ext cx="9083116" cy="562726"/>
       </dsp:txXfrm>
     </dsp:sp>
     <dsp:sp modelId="{2EB0C888-2848-456B-94A8-934A0CF04A0A}">
@@ -15219,8 +15219,8 @@
       </dsp:nvSpPr>
       <dsp:spPr>
         <a:xfrm>
-          <a:off x="0" y="892943"/>
-          <a:ext cx="9144000" cy="631800"/>
+          <a:off x="0" y="902573"/>
+          <a:ext cx="9144000" cy="623610"/>
         </a:xfrm>
         <a:prstGeom prst="roundRect">
           <a:avLst/>
@@ -15262,12 +15262,12 @@
         </a:fontRef>
       </dsp:style>
       <dsp:txBody>
-        <a:bodyPr spcFirstLastPara="0" vert="horz" wrap="square" lIns="102870" tIns="102870" rIns="102870" bIns="102870" numCol="1" spcCol="1270" anchor="ctr" anchorCtr="0">
+        <a:bodyPr spcFirstLastPara="0" vert="horz" wrap="square" lIns="99060" tIns="99060" rIns="99060" bIns="99060" numCol="1" spcCol="1270" anchor="ctr" anchorCtr="0">
           <a:noAutofit/>
         </a:bodyPr>
         <a:lstStyle/>
         <a:p>
-          <a:pPr marL="0" lvl="0" indent="0" algn="l" defTabSz="1200150">
+          <a:pPr marL="0" lvl="0" indent="0" algn="l" defTabSz="1155700">
             <a:lnSpc>
               <a:spcPct val="90000"/>
             </a:lnSpc>
@@ -15280,14 +15280,14 @@
             <a:buNone/>
           </a:pPr>
           <a:r>
-            <a:rPr lang="en-US" sz="2700" kern="1200"/>
+            <a:rPr lang="en-US" sz="2600" kern="1200"/>
             <a:t>Only some of them are significant</a:t>
           </a:r>
         </a:p>
       </dsp:txBody>
       <dsp:txXfrm>
-        <a:off x="30842" y="923785"/>
-        <a:ext cx="9082316" cy="570116"/>
+        <a:off x="30442" y="933015"/>
+        <a:ext cx="9083116" cy="562726"/>
       </dsp:txXfrm>
     </dsp:sp>
     <dsp:sp modelId="{7B7A2030-613F-4A8D-9788-6FEF1EC3EF24}">
@@ -15297,8 +15297,8 @@
       </dsp:nvSpPr>
       <dsp:spPr>
         <a:xfrm>
-          <a:off x="0" y="1602503"/>
-          <a:ext cx="9144000" cy="631800"/>
+          <a:off x="0" y="1601063"/>
+          <a:ext cx="9144000" cy="623610"/>
         </a:xfrm>
         <a:prstGeom prst="roundRect">
           <a:avLst/>
@@ -15340,12 +15340,12 @@
         </a:fontRef>
       </dsp:style>
       <dsp:txBody>
-        <a:bodyPr spcFirstLastPara="0" vert="horz" wrap="square" lIns="102870" tIns="102870" rIns="102870" bIns="102870" numCol="1" spcCol="1270" anchor="ctr" anchorCtr="0">
+        <a:bodyPr spcFirstLastPara="0" vert="horz" wrap="square" lIns="99060" tIns="99060" rIns="99060" bIns="99060" numCol="1" spcCol="1270" anchor="ctr" anchorCtr="0">
           <a:noAutofit/>
         </a:bodyPr>
         <a:lstStyle/>
         <a:p>
-          <a:pPr marL="0" lvl="0" indent="0" algn="l" defTabSz="1200150">
+          <a:pPr marL="0" lvl="0" indent="0" algn="l" defTabSz="1155700">
             <a:lnSpc>
               <a:spcPct val="90000"/>
             </a:lnSpc>
@@ -15358,14 +15358,14 @@
             <a:buNone/>
           </a:pPr>
           <a:r>
-            <a:rPr lang="en-US" sz="2700" kern="1200"/>
+            <a:rPr lang="en-US" sz="2600" kern="1200"/>
             <a:t>Older branches are either merged or no longer important</a:t>
           </a:r>
         </a:p>
       </dsp:txBody>
       <dsp:txXfrm>
-        <a:off x="30842" y="1633345"/>
-        <a:ext cx="9082316" cy="570116"/>
+        <a:off x="30442" y="1631505"/>
+        <a:ext cx="9083116" cy="562726"/>
       </dsp:txXfrm>
     </dsp:sp>
     <dsp:sp modelId="{C3EC519A-13D1-48C9-A7CC-A1A7E2DA7471}">
@@ -15375,8 +15375,8 @@
       </dsp:nvSpPr>
       <dsp:spPr>
         <a:xfrm>
-          <a:off x="0" y="2312064"/>
-          <a:ext cx="9144000" cy="631800"/>
+          <a:off x="0" y="2299554"/>
+          <a:ext cx="9144000" cy="623610"/>
         </a:xfrm>
         <a:prstGeom prst="roundRect">
           <a:avLst/>
@@ -15418,12 +15418,12 @@
         </a:fontRef>
       </dsp:style>
       <dsp:txBody>
-        <a:bodyPr spcFirstLastPara="0" vert="horz" wrap="square" lIns="102870" tIns="102870" rIns="102870" bIns="102870" numCol="1" spcCol="1270" anchor="ctr" anchorCtr="0">
+        <a:bodyPr spcFirstLastPara="0" vert="horz" wrap="square" lIns="99060" tIns="99060" rIns="99060" bIns="99060" numCol="1" spcCol="1270" anchor="ctr" anchorCtr="0">
           <a:noAutofit/>
         </a:bodyPr>
         <a:lstStyle/>
         <a:p>
-          <a:pPr marL="0" lvl="0" indent="0" algn="l" defTabSz="1200150">
+          <a:pPr marL="0" lvl="0" indent="0" algn="l" defTabSz="1155700">
             <a:lnSpc>
               <a:spcPct val="90000"/>
             </a:lnSpc>
@@ -15436,14 +15436,14 @@
             <a:buNone/>
           </a:pPr>
           <a:r>
-            <a:rPr lang="en-US" sz="2700" kern="1200"/>
+            <a:rPr lang="en-US" sz="2600" kern="1200"/>
             <a:t>Improve maintenance of large project</a:t>
           </a:r>
         </a:p>
       </dsp:txBody>
       <dsp:txXfrm>
-        <a:off x="30842" y="2342906"/>
-        <a:ext cx="9082316" cy="570116"/>
+        <a:off x="30442" y="2329996"/>
+        <a:ext cx="9083116" cy="562726"/>
       </dsp:txXfrm>
     </dsp:sp>
   </dsp:spTree>
@@ -15510,12 +15510,12 @@
         </a:fontRef>
       </dsp:style>
       <dsp:txBody>
-        <a:bodyPr spcFirstLastPara="0" vert="horz" wrap="square" lIns="87630" tIns="87630" rIns="87630" bIns="87630" numCol="1" spcCol="1270" anchor="ctr" anchorCtr="0">
+        <a:bodyPr spcFirstLastPara="0" vert="horz" wrap="square" lIns="83820" tIns="83820" rIns="83820" bIns="83820" numCol="1" spcCol="1270" anchor="ctr" anchorCtr="0">
           <a:noAutofit/>
         </a:bodyPr>
         <a:lstStyle/>
         <a:p>
-          <a:pPr marL="0" lvl="0" indent="0" algn="l" defTabSz="1022350">
+          <a:pPr marL="0" lvl="0" indent="0" algn="l" defTabSz="977900">
             <a:lnSpc>
               <a:spcPct val="90000"/>
             </a:lnSpc>
@@ -15528,7 +15528,7 @@
             <a:buNone/>
           </a:pPr>
           <a:r>
-            <a:rPr lang="en-US" sz="2300" kern="1200"/>
+            <a:rPr lang="en-US" sz="2200" kern="1200"/>
             <a:t>Fetch the list of branches</a:t>
           </a:r>
         </a:p>
@@ -15590,12 +15590,12 @@
         </a:fontRef>
       </dsp:style>
       <dsp:txBody>
-        <a:bodyPr spcFirstLastPara="0" vert="horz" wrap="square" lIns="87630" tIns="87630" rIns="87630" bIns="87630" numCol="1" spcCol="1270" anchor="ctr" anchorCtr="0">
+        <a:bodyPr spcFirstLastPara="0" vert="horz" wrap="square" lIns="83820" tIns="83820" rIns="83820" bIns="83820" numCol="1" spcCol="1270" anchor="ctr" anchorCtr="0">
           <a:noAutofit/>
         </a:bodyPr>
         <a:lstStyle/>
         <a:p>
-          <a:pPr marL="0" lvl="0" indent="0" algn="l" defTabSz="1022350">
+          <a:pPr marL="0" lvl="0" indent="0" algn="l" defTabSz="977900">
             <a:lnSpc>
               <a:spcPct val="90000"/>
             </a:lnSpc>
@@ -15608,7 +15608,7 @@
             <a:buNone/>
           </a:pPr>
           <a:r>
-            <a:rPr lang="en-US" sz="2300" kern="1200"/>
+            <a:rPr lang="en-US" sz="2200" kern="1200"/>
             <a:t>Iterate through each branch; extract author and last update date</a:t>
           </a:r>
         </a:p>
@@ -15670,12 +15670,12 @@
         </a:fontRef>
       </dsp:style>
       <dsp:txBody>
-        <a:bodyPr spcFirstLastPara="0" vert="horz" wrap="square" lIns="87630" tIns="87630" rIns="87630" bIns="87630" numCol="1" spcCol="1270" anchor="ctr" anchorCtr="0">
+        <a:bodyPr spcFirstLastPara="0" vert="horz" wrap="square" lIns="83820" tIns="83820" rIns="83820" bIns="83820" numCol="1" spcCol="1270" anchor="ctr" anchorCtr="0">
           <a:noAutofit/>
         </a:bodyPr>
         <a:lstStyle/>
         <a:p>
-          <a:pPr marL="0" lvl="0" indent="0" algn="l" defTabSz="1022350">
+          <a:pPr marL="0" lvl="0" indent="0" algn="l" defTabSz="977900">
             <a:lnSpc>
               <a:spcPct val="90000"/>
             </a:lnSpc>
@@ -15688,7 +15688,7 @@
             <a:buNone/>
           </a:pPr>
           <a:r>
-            <a:rPr lang="en-US" sz="2300" kern="1200"/>
+            <a:rPr lang="en-US" sz="2200" kern="1200"/>
             <a:t>Delete branch if it is last updated before say 2 years</a:t>
           </a:r>
         </a:p>
@@ -15750,12 +15750,12 @@
         </a:fontRef>
       </dsp:style>
       <dsp:txBody>
-        <a:bodyPr spcFirstLastPara="0" vert="horz" wrap="square" lIns="87630" tIns="87630" rIns="87630" bIns="87630" numCol="1" spcCol="1270" anchor="ctr" anchorCtr="0">
+        <a:bodyPr spcFirstLastPara="0" vert="horz" wrap="square" lIns="83820" tIns="83820" rIns="83820" bIns="83820" numCol="1" spcCol="1270" anchor="ctr" anchorCtr="0">
           <a:noAutofit/>
         </a:bodyPr>
         <a:lstStyle/>
         <a:p>
-          <a:pPr marL="0" lvl="0" indent="0" algn="l" defTabSz="1022350">
+          <a:pPr marL="0" lvl="0" indent="0" algn="l" defTabSz="977900">
             <a:lnSpc>
               <a:spcPct val="90000"/>
             </a:lnSpc>
@@ -15768,7 +15768,7 @@
             <a:buNone/>
           </a:pPr>
           <a:r>
-            <a:rPr lang="en-US" sz="2300" kern="1200"/>
+            <a:rPr lang="en-US" sz="2200" kern="1200"/>
             <a:t>Also, hashed the branches with key as author mail</a:t>
           </a:r>
         </a:p>
@@ -15833,12 +15833,12 @@
         <a:fontRef idx="minor"/>
       </dsp:style>
       <dsp:txBody>
-        <a:bodyPr spcFirstLastPara="0" vert="horz" wrap="square" lIns="33020" tIns="33020" rIns="33020" bIns="33020" numCol="1" spcCol="1270" anchor="ctr" anchorCtr="0">
+        <a:bodyPr spcFirstLastPara="0" vert="horz" wrap="square" lIns="30480" tIns="30480" rIns="30480" bIns="30480" numCol="1" spcCol="1270" anchor="ctr" anchorCtr="0">
           <a:noAutofit/>
         </a:bodyPr>
         <a:lstStyle/>
         <a:p>
-          <a:pPr marL="0" lvl="0" indent="0" algn="ctr" defTabSz="1155700">
+          <a:pPr marL="0" lvl="0" indent="0" algn="ctr" defTabSz="1066800">
             <a:lnSpc>
               <a:spcPct val="90000"/>
             </a:lnSpc>
@@ -15850,7 +15850,7 @@
             </a:spcAft>
             <a:buNone/>
           </a:pPr>
-          <a:endParaRPr lang="en-US" sz="2600" kern="1200"/>
+          <a:endParaRPr lang="en-US" sz="2400" kern="1200"/>
         </a:p>
       </dsp:txBody>
       <dsp:txXfrm>
@@ -15913,12 +15913,12 @@
         <a:fontRef idx="minor"/>
       </dsp:style>
       <dsp:txBody>
-        <a:bodyPr spcFirstLastPara="0" vert="horz" wrap="square" lIns="33020" tIns="33020" rIns="33020" bIns="33020" numCol="1" spcCol="1270" anchor="ctr" anchorCtr="0">
+        <a:bodyPr spcFirstLastPara="0" vert="horz" wrap="square" lIns="30480" tIns="30480" rIns="30480" bIns="30480" numCol="1" spcCol="1270" anchor="ctr" anchorCtr="0">
           <a:noAutofit/>
         </a:bodyPr>
         <a:lstStyle/>
         <a:p>
-          <a:pPr marL="0" lvl="0" indent="0" algn="ctr" defTabSz="1155700">
+          <a:pPr marL="0" lvl="0" indent="0" algn="ctr" defTabSz="1066800">
             <a:lnSpc>
               <a:spcPct val="90000"/>
             </a:lnSpc>
@@ -15930,7 +15930,7 @@
             </a:spcAft>
             <a:buNone/>
           </a:pPr>
-          <a:endParaRPr lang="en-US" sz="2600" kern="1200"/>
+          <a:endParaRPr lang="en-US" sz="2400" kern="1200"/>
         </a:p>
       </dsp:txBody>
       <dsp:txXfrm>
@@ -15993,12 +15993,12 @@
         <a:fontRef idx="minor"/>
       </dsp:style>
       <dsp:txBody>
-        <a:bodyPr spcFirstLastPara="0" vert="horz" wrap="square" lIns="33020" tIns="33020" rIns="33020" bIns="33020" numCol="1" spcCol="1270" anchor="ctr" anchorCtr="0">
+        <a:bodyPr spcFirstLastPara="0" vert="horz" wrap="square" lIns="30480" tIns="30480" rIns="30480" bIns="30480" numCol="1" spcCol="1270" anchor="ctr" anchorCtr="0">
           <a:noAutofit/>
         </a:bodyPr>
         <a:lstStyle/>
         <a:p>
-          <a:pPr marL="0" lvl="0" indent="0" algn="ctr" defTabSz="1155700">
+          <a:pPr marL="0" lvl="0" indent="0" algn="ctr" defTabSz="1066800">
             <a:lnSpc>
               <a:spcPct val="90000"/>
             </a:lnSpc>
@@ -16010,7 +16010,7 @@
             </a:spcAft>
             <a:buNone/>
           </a:pPr>
-          <a:endParaRPr lang="en-US" sz="2600" kern="1200"/>
+          <a:endParaRPr lang="en-US" sz="2400" kern="1200"/>
         </a:p>
       </dsp:txBody>
       <dsp:txXfrm>
@@ -16037,8 +16037,8 @@
       </dsp:nvSpPr>
       <dsp:spPr>
         <a:xfrm>
-          <a:off x="0" y="43748"/>
-          <a:ext cx="9144000" cy="965250"/>
+          <a:off x="0" y="62424"/>
+          <a:ext cx="9144000" cy="954719"/>
         </a:xfrm>
         <a:prstGeom prst="roundRect">
           <a:avLst/>
@@ -16080,12 +16080,12 @@
         </a:fontRef>
       </dsp:style>
       <dsp:txBody>
-        <a:bodyPr spcFirstLastPara="0" vert="horz" wrap="square" lIns="95250" tIns="95250" rIns="95250" bIns="95250" numCol="1" spcCol="1270" anchor="ctr" anchorCtr="0">
+        <a:bodyPr spcFirstLastPara="0" vert="horz" wrap="square" lIns="91440" tIns="91440" rIns="91440" bIns="91440" numCol="1" spcCol="1270" anchor="ctr" anchorCtr="0">
           <a:noAutofit/>
         </a:bodyPr>
         <a:lstStyle/>
         <a:p>
-          <a:pPr marL="0" lvl="0" indent="0" algn="l" defTabSz="1111250">
+          <a:pPr marL="0" lvl="0" indent="0" algn="l" defTabSz="1066800">
             <a:lnSpc>
               <a:spcPct val="90000"/>
             </a:lnSpc>
@@ -16098,14 +16098,14 @@
             <a:buNone/>
           </a:pPr>
           <a:r>
-            <a:rPr lang="en-US" sz="2500" kern="1200"/>
+            <a:rPr lang="en-US" sz="2400" kern="1200"/>
             <a:t>Notify author the next incremental build number in which the fix/changes will be reflected.</a:t>
           </a:r>
         </a:p>
       </dsp:txBody>
       <dsp:txXfrm>
-        <a:off x="47120" y="90868"/>
-        <a:ext cx="9049760" cy="871010"/>
+        <a:off x="46606" y="109030"/>
+        <a:ext cx="9050788" cy="861507"/>
       </dsp:txXfrm>
     </dsp:sp>
     <dsp:sp modelId="{4DB898C8-3885-4606-9A4F-68D97C24071F}">
@@ -16115,8 +16115,8 @@
       </dsp:nvSpPr>
       <dsp:spPr>
         <a:xfrm>
-          <a:off x="0" y="1080999"/>
-          <a:ext cx="9144000" cy="965250"/>
+          <a:off x="0" y="1086264"/>
+          <a:ext cx="9144000" cy="954719"/>
         </a:xfrm>
         <a:prstGeom prst="roundRect">
           <a:avLst/>
@@ -16158,12 +16158,12 @@
         </a:fontRef>
       </dsp:style>
       <dsp:txBody>
-        <a:bodyPr spcFirstLastPara="0" vert="horz" wrap="square" lIns="95250" tIns="95250" rIns="95250" bIns="95250" numCol="1" spcCol="1270" anchor="ctr" anchorCtr="0">
+        <a:bodyPr spcFirstLastPara="0" vert="horz" wrap="square" lIns="91440" tIns="91440" rIns="91440" bIns="91440" numCol="1" spcCol="1270" anchor="ctr" anchorCtr="0">
           <a:noAutofit/>
         </a:bodyPr>
         <a:lstStyle/>
         <a:p>
-          <a:pPr marL="0" lvl="0" indent="0" algn="l" defTabSz="1111250">
+          <a:pPr marL="0" lvl="0" indent="0" algn="l" defTabSz="1066800">
             <a:lnSpc>
               <a:spcPct val="90000"/>
             </a:lnSpc>
@@ -16176,14 +16176,14 @@
             <a:buNone/>
           </a:pPr>
           <a:r>
-            <a:rPr lang="en-US" sz="2500" kern="1200"/>
+            <a:rPr lang="en-US" sz="2400" kern="1200"/>
             <a:t>Post a comment on PR when user merges or completes it</a:t>
           </a:r>
         </a:p>
       </dsp:txBody>
       <dsp:txXfrm>
-        <a:off x="47120" y="1128119"/>
-        <a:ext cx="9049760" cy="871010"/>
+        <a:off x="46606" y="1132870"/>
+        <a:ext cx="9050788" cy="861507"/>
       </dsp:txXfrm>
     </dsp:sp>
     <dsp:sp modelId="{1A4BB94A-B0C4-4687-AE54-BE11956C1D6E}">
@@ -16193,8 +16193,8 @@
       </dsp:nvSpPr>
       <dsp:spPr>
         <a:xfrm>
-          <a:off x="0" y="2118249"/>
-          <a:ext cx="9144000" cy="965250"/>
+          <a:off x="0" y="2110104"/>
+          <a:ext cx="9144000" cy="954719"/>
         </a:xfrm>
         <a:prstGeom prst="roundRect">
           <a:avLst/>
@@ -16236,12 +16236,12 @@
         </a:fontRef>
       </dsp:style>
       <dsp:txBody>
-        <a:bodyPr spcFirstLastPara="0" vert="horz" wrap="square" lIns="95250" tIns="95250" rIns="95250" bIns="95250" numCol="1" spcCol="1270" anchor="ctr" anchorCtr="0">
+        <a:bodyPr spcFirstLastPara="0" vert="horz" wrap="square" lIns="91440" tIns="91440" rIns="91440" bIns="91440" numCol="1" spcCol="1270" anchor="ctr" anchorCtr="0">
           <a:noAutofit/>
         </a:bodyPr>
         <a:lstStyle/>
         <a:p>
-          <a:pPr marL="0" lvl="0" indent="0" algn="l" defTabSz="1111250">
+          <a:pPr marL="0" lvl="0" indent="0" algn="l" defTabSz="1066800">
             <a:lnSpc>
               <a:spcPct val="90000"/>
             </a:lnSpc>
@@ -16254,14 +16254,14 @@
             <a:buNone/>
           </a:pPr>
           <a:r>
-            <a:rPr lang="en-US" sz="2500" kern="1200"/>
+            <a:rPr lang="en-US" sz="2400" kern="1200"/>
             <a:t>The user can directly refer that build to see the changes</a:t>
           </a:r>
         </a:p>
       </dsp:txBody>
       <dsp:txXfrm>
-        <a:off x="47120" y="2165369"/>
-        <a:ext cx="9049760" cy="871010"/>
+        <a:off x="46606" y="2156710"/>
+        <a:ext cx="9050788" cy="861507"/>
       </dsp:txXfrm>
     </dsp:sp>
   </dsp:spTree>
@@ -16855,8 +16855,8 @@
       </dsp:nvSpPr>
       <dsp:spPr>
         <a:xfrm>
-          <a:off x="0" y="65686"/>
-          <a:ext cx="9144000" cy="950625"/>
+          <a:off x="0" y="64398"/>
+          <a:ext cx="9144000" cy="953403"/>
         </a:xfrm>
         <a:prstGeom prst="roundRect">
           <a:avLst/>
@@ -16898,12 +16898,12 @@
         </a:fontRef>
       </dsp:style>
       <dsp:txBody>
-        <a:bodyPr spcFirstLastPara="0" vert="horz" wrap="square" lIns="95250" tIns="95250" rIns="95250" bIns="95250" numCol="1" spcCol="1270" anchor="ctr" anchorCtr="0">
+        <a:bodyPr spcFirstLastPara="0" vert="horz" wrap="square" lIns="91440" tIns="91440" rIns="91440" bIns="91440" numCol="1" spcCol="1270" anchor="ctr" anchorCtr="0">
           <a:noAutofit/>
         </a:bodyPr>
         <a:lstStyle/>
         <a:p>
-          <a:pPr marL="0" lvl="0" indent="0" algn="l" defTabSz="1111250">
+          <a:pPr marL="0" lvl="0" indent="0" algn="l" defTabSz="1066800">
             <a:lnSpc>
               <a:spcPct val="90000"/>
             </a:lnSpc>
@@ -16916,14 +16916,14 @@
             <a:buNone/>
           </a:pPr>
           <a:r>
-            <a:rPr lang="en-US" sz="2500" kern="1200"/>
+            <a:rPr lang="en-US" sz="2400" kern="1200"/>
             <a:t>HTTP links are not secure, and their usage should be avoided.</a:t>
           </a:r>
         </a:p>
       </dsp:txBody>
       <dsp:txXfrm>
-        <a:off x="46406" y="112092"/>
-        <a:ext cx="9051188" cy="857813"/>
+        <a:off x="46541" y="110939"/>
+        <a:ext cx="9050918" cy="860321"/>
       </dsp:txXfrm>
     </dsp:sp>
     <dsp:sp modelId="{4DB898C8-3885-4606-9A4F-68D97C24071F}">
@@ -16933,8 +16933,8 @@
       </dsp:nvSpPr>
       <dsp:spPr>
         <a:xfrm>
-          <a:off x="0" y="1088311"/>
-          <a:ext cx="9144000" cy="950625"/>
+          <a:off x="0" y="1086922"/>
+          <a:ext cx="9144000" cy="953403"/>
         </a:xfrm>
         <a:prstGeom prst="roundRect">
           <a:avLst/>
@@ -16976,12 +16976,12 @@
         </a:fontRef>
       </dsp:style>
       <dsp:txBody>
-        <a:bodyPr spcFirstLastPara="0" vert="horz" wrap="square" lIns="95250" tIns="95250" rIns="95250" bIns="95250" numCol="1" spcCol="1270" anchor="ctr" anchorCtr="0">
+        <a:bodyPr spcFirstLastPara="0" vert="horz" wrap="square" lIns="91440" tIns="91440" rIns="91440" bIns="91440" numCol="1" spcCol="1270" anchor="ctr" anchorCtr="0">
           <a:noAutofit/>
         </a:bodyPr>
         <a:lstStyle/>
         <a:p>
-          <a:pPr marL="0" lvl="0" indent="0" algn="l" defTabSz="1111250">
+          <a:pPr marL="0" lvl="0" indent="0" algn="l" defTabSz="1066800">
             <a:lnSpc>
               <a:spcPct val="90000"/>
             </a:lnSpc>
@@ -16994,14 +16994,14 @@
             <a:buNone/>
           </a:pPr>
           <a:r>
-            <a:rPr lang="en-US" sz="2500" kern="1200"/>
+            <a:rPr lang="en-US" sz="2400" kern="1200"/>
             <a:t>Identify use of HTTP links in the changes made by the user.</a:t>
           </a:r>
         </a:p>
       </dsp:txBody>
       <dsp:txXfrm>
-        <a:off x="46406" y="1134717"/>
-        <a:ext cx="9051188" cy="857813"/>
+        <a:off x="46541" y="1133463"/>
+        <a:ext cx="9050918" cy="860321"/>
       </dsp:txXfrm>
     </dsp:sp>
     <dsp:sp modelId="{1A156BAC-E669-4EFE-9A47-A9DA59366A5B}">
@@ -17011,8 +17011,8 @@
       </dsp:nvSpPr>
       <dsp:spPr>
         <a:xfrm>
-          <a:off x="0" y="2110936"/>
-          <a:ext cx="9144000" cy="950625"/>
+          <a:off x="0" y="2109445"/>
+          <a:ext cx="9144000" cy="953403"/>
         </a:xfrm>
         <a:prstGeom prst="roundRect">
           <a:avLst/>
@@ -17054,12 +17054,12 @@
         </a:fontRef>
       </dsp:style>
       <dsp:txBody>
-        <a:bodyPr spcFirstLastPara="0" vert="horz" wrap="square" lIns="95250" tIns="95250" rIns="95250" bIns="95250" numCol="1" spcCol="1270" anchor="ctr" anchorCtr="0">
+        <a:bodyPr spcFirstLastPara="0" vert="horz" wrap="square" lIns="91440" tIns="91440" rIns="91440" bIns="91440" numCol="1" spcCol="1270" anchor="ctr" anchorCtr="0">
           <a:noAutofit/>
         </a:bodyPr>
         <a:lstStyle/>
         <a:p>
-          <a:pPr marL="0" lvl="0" indent="0" algn="l" defTabSz="1111250">
+          <a:pPr marL="0" lvl="0" indent="0" algn="l" defTabSz="1066800">
             <a:lnSpc>
               <a:spcPct val="90000"/>
             </a:lnSpc>
@@ -17072,14 +17072,14 @@
             <a:buNone/>
           </a:pPr>
           <a:r>
-            <a:rPr lang="en-US" sz="2500" kern="1200"/>
+            <a:rPr lang="en-US" sz="2400" kern="1200"/>
             <a:t>Warn the developer and confirm before committing the changes.</a:t>
           </a:r>
         </a:p>
       </dsp:txBody>
       <dsp:txXfrm>
-        <a:off x="46406" y="2157342"/>
-        <a:ext cx="9051188" cy="857813"/>
+        <a:off x="46541" y="2155986"/>
+        <a:ext cx="9050918" cy="860321"/>
       </dsp:txXfrm>
     </dsp:sp>
   </dsp:spTree>
@@ -43652,7 +43652,7 @@
           <a:p>
             <a:r>
               <a:rPr lang="en-IN" dirty="0"/>
-              <a:t>Motivation</a:t>
+              <a:t>Motivation / Novelty</a:t>
             </a:r>
           </a:p>
         </p:txBody>
@@ -43959,13 +43959,8 @@
           <a:p>
             <a:r>
               <a:rPr lang="en-US" dirty="0"/>
-              <a:t>Why </a:t>
+              <a:t>Why collaborative filtering is used</a:t>
             </a:r>
-            <a:r>
-              <a:rPr lang="en-US"/>
-              <a:t>collaborative filtering is used</a:t>
-            </a:r>
-            <a:endParaRPr lang="en-US" dirty="0"/>
           </a:p>
         </p:txBody>
       </p:sp>
@@ -44640,8 +44635,8 @@
           <a:p>
             <a:pPr algn="ctr"/>
             <a:r>
-              <a:rPr lang="en-US"/>
-              <a:t>Approach Used</a:t>
+              <a:rPr lang="en-US" dirty="0"/>
+              <a:t>Proposed Algorithm</a:t>
             </a:r>
           </a:p>
         </p:txBody>
@@ -44734,7 +44729,7 @@
           <a:lstStyle/>
           <a:p>
             <a:r>
-              <a:rPr lang="en-US"/>
+              <a:rPr lang="en-US" dirty="0"/>
               <a:t>2. Comment Build No on PR Complete</a:t>
             </a:r>
           </a:p>
